--- a/ppt 16-9/1157.世界非我家.pptx
+++ b/ppt 16-9/1157.世界非我家.pptx
@@ -129,7 +129,7 @@
           <p:cNvPr id="2" name="标题 1">
             <a:extLst>
               <a:ext uri="{FF2B5EF4-FFF2-40B4-BE49-F238E27FC236}">
-                <a16:creationId xmlns:a16="http://schemas.microsoft.com/office/drawing/2014/main" id="{00F6CCB2-1F2E-1C3B-3C8A-B78355DF50F9}"/>
+                <a16:creationId xmlns:a16="http://schemas.microsoft.com/office/drawing/2014/main" id="{F1B64467-472C-38DC-9F0D-33B5BEEB35B4}"/>
               </a:ext>
             </a:extLst>
           </p:cNvPr>
@@ -166,7 +166,7 @@
           <p:cNvPr id="3" name="副标题 2">
             <a:extLst>
               <a:ext uri="{FF2B5EF4-FFF2-40B4-BE49-F238E27FC236}">
-                <a16:creationId xmlns:a16="http://schemas.microsoft.com/office/drawing/2014/main" id="{298611C1-A9A6-D85F-1DD2-F2C2303D9665}"/>
+                <a16:creationId xmlns:a16="http://schemas.microsoft.com/office/drawing/2014/main" id="{CF748E6E-E0DA-8345-7433-CDC23E06F2A0}"/>
               </a:ext>
             </a:extLst>
           </p:cNvPr>
@@ -236,7 +236,7 @@
           <p:cNvPr id="4" name="日期占位符 3">
             <a:extLst>
               <a:ext uri="{FF2B5EF4-FFF2-40B4-BE49-F238E27FC236}">
-                <a16:creationId xmlns:a16="http://schemas.microsoft.com/office/drawing/2014/main" id="{2314AA8A-F7F9-2271-CEC8-5E187F395570}"/>
+                <a16:creationId xmlns:a16="http://schemas.microsoft.com/office/drawing/2014/main" id="{F8B01664-F3B7-BB40-84D3-D4420E04CC26}"/>
               </a:ext>
             </a:extLst>
           </p:cNvPr>
@@ -252,7 +252,7 @@
           <a:bodyPr/>
           <a:lstStyle/>
           <a:p>
-            <a:fld id="{C8E5E5DA-E5CC-41C3-BAB7-FDC9D41C6D33}" type="datetimeFigureOut">
+            <a:fld id="{09DD1633-1823-4BFE-A0F7-1F56558D274C}" type="datetimeFigureOut">
               <a:rPr lang="zh-CN" altLang="en-US" smtClean="0"/>
               <a:t>2024/3/10</a:t>
             </a:fld>
@@ -265,7 +265,7 @@
           <p:cNvPr id="5" name="页脚占位符 4">
             <a:extLst>
               <a:ext uri="{FF2B5EF4-FFF2-40B4-BE49-F238E27FC236}">
-                <a16:creationId xmlns:a16="http://schemas.microsoft.com/office/drawing/2014/main" id="{C377FAA4-BF5A-2034-E5F7-B8DE55FC5E40}"/>
+                <a16:creationId xmlns:a16="http://schemas.microsoft.com/office/drawing/2014/main" id="{00973997-C96A-FFE3-1401-4274F524C89B}"/>
               </a:ext>
             </a:extLst>
           </p:cNvPr>
@@ -290,7 +290,7 @@
           <p:cNvPr id="6" name="灯片编号占位符 5">
             <a:extLst>
               <a:ext uri="{FF2B5EF4-FFF2-40B4-BE49-F238E27FC236}">
-                <a16:creationId xmlns:a16="http://schemas.microsoft.com/office/drawing/2014/main" id="{DC269265-B43A-0C83-DEC1-843B787C342E}"/>
+                <a16:creationId xmlns:a16="http://schemas.microsoft.com/office/drawing/2014/main" id="{7A15CD09-6644-E8D6-C363-F090BFEAFAFA}"/>
               </a:ext>
             </a:extLst>
           </p:cNvPr>
@@ -306,7 +306,7 @@
           <a:bodyPr/>
           <a:lstStyle/>
           <a:p>
-            <a:fld id="{1D84717A-EF96-4208-9F7E-02D1DC475A99}" type="slidenum">
+            <a:fld id="{DC02B6AC-4828-4136-B753-4F88E43ED6D8}" type="slidenum">
               <a:rPr lang="zh-CN" altLang="en-US" smtClean="0"/>
               <a:t>‹#›</a:t>
             </a:fld>
@@ -317,7 +317,7 @@
     </p:spTree>
     <p:extLst>
       <p:ext uri="{BB962C8B-B14F-4D97-AF65-F5344CB8AC3E}">
-        <p14:creationId xmlns:p14="http://schemas.microsoft.com/office/powerpoint/2010/main" val="3455132339"/>
+        <p14:creationId xmlns:p14="http://schemas.microsoft.com/office/powerpoint/2010/main" val="1496192217"/>
       </p:ext>
     </p:extLst>
   </p:cSld>
@@ -349,7 +349,7 @@
           <p:cNvPr id="2" name="标题 1">
             <a:extLst>
               <a:ext uri="{FF2B5EF4-FFF2-40B4-BE49-F238E27FC236}">
-                <a16:creationId xmlns:a16="http://schemas.microsoft.com/office/drawing/2014/main" id="{65219A09-D821-ED11-42FA-C5CA71D44CD4}"/>
+                <a16:creationId xmlns:a16="http://schemas.microsoft.com/office/drawing/2014/main" id="{D73946E9-8C7C-B0F3-73E5-C5681461E881}"/>
               </a:ext>
             </a:extLst>
           </p:cNvPr>
@@ -377,7 +377,7 @@
           <p:cNvPr id="3" name="竖排文字占位符 2">
             <a:extLst>
               <a:ext uri="{FF2B5EF4-FFF2-40B4-BE49-F238E27FC236}">
-                <a16:creationId xmlns:a16="http://schemas.microsoft.com/office/drawing/2014/main" id="{75D8BECD-E54C-81DE-DA24-BF52D473E1EF}"/>
+                <a16:creationId xmlns:a16="http://schemas.microsoft.com/office/drawing/2014/main" id="{1C5F7182-60B2-3090-A431-288B32B06EF7}"/>
               </a:ext>
             </a:extLst>
           </p:cNvPr>
@@ -434,7 +434,7 @@
           <p:cNvPr id="4" name="日期占位符 3">
             <a:extLst>
               <a:ext uri="{FF2B5EF4-FFF2-40B4-BE49-F238E27FC236}">
-                <a16:creationId xmlns:a16="http://schemas.microsoft.com/office/drawing/2014/main" id="{74E65B61-A175-49F6-6F08-27EC3E345375}"/>
+                <a16:creationId xmlns:a16="http://schemas.microsoft.com/office/drawing/2014/main" id="{B65B97C7-DB07-09DC-3C9A-5BD3F774CFAF}"/>
               </a:ext>
             </a:extLst>
           </p:cNvPr>
@@ -450,7 +450,7 @@
           <a:bodyPr/>
           <a:lstStyle/>
           <a:p>
-            <a:fld id="{C8E5E5DA-E5CC-41C3-BAB7-FDC9D41C6D33}" type="datetimeFigureOut">
+            <a:fld id="{09DD1633-1823-4BFE-A0F7-1F56558D274C}" type="datetimeFigureOut">
               <a:rPr lang="zh-CN" altLang="en-US" smtClean="0"/>
               <a:t>2024/3/10</a:t>
             </a:fld>
@@ -463,7 +463,7 @@
           <p:cNvPr id="5" name="页脚占位符 4">
             <a:extLst>
               <a:ext uri="{FF2B5EF4-FFF2-40B4-BE49-F238E27FC236}">
-                <a16:creationId xmlns:a16="http://schemas.microsoft.com/office/drawing/2014/main" id="{9422D797-9E71-A20C-48D6-8A26EBA64412}"/>
+                <a16:creationId xmlns:a16="http://schemas.microsoft.com/office/drawing/2014/main" id="{75A4AA72-EA3D-D68B-9B1F-FEB3323E9A10}"/>
               </a:ext>
             </a:extLst>
           </p:cNvPr>
@@ -488,7 +488,7 @@
           <p:cNvPr id="6" name="灯片编号占位符 5">
             <a:extLst>
               <a:ext uri="{FF2B5EF4-FFF2-40B4-BE49-F238E27FC236}">
-                <a16:creationId xmlns:a16="http://schemas.microsoft.com/office/drawing/2014/main" id="{78E27D53-9A20-8A90-6039-B48E99F72721}"/>
+                <a16:creationId xmlns:a16="http://schemas.microsoft.com/office/drawing/2014/main" id="{18DD21F3-83ED-FB6C-F786-C262AD602BE7}"/>
               </a:ext>
             </a:extLst>
           </p:cNvPr>
@@ -504,7 +504,7 @@
           <a:bodyPr/>
           <a:lstStyle/>
           <a:p>
-            <a:fld id="{1D84717A-EF96-4208-9F7E-02D1DC475A99}" type="slidenum">
+            <a:fld id="{DC02B6AC-4828-4136-B753-4F88E43ED6D8}" type="slidenum">
               <a:rPr lang="zh-CN" altLang="en-US" smtClean="0"/>
               <a:t>‹#›</a:t>
             </a:fld>
@@ -515,7 +515,7 @@
     </p:spTree>
     <p:extLst>
       <p:ext uri="{BB962C8B-B14F-4D97-AF65-F5344CB8AC3E}">
-        <p14:creationId xmlns:p14="http://schemas.microsoft.com/office/powerpoint/2010/main" val="2955825190"/>
+        <p14:creationId xmlns:p14="http://schemas.microsoft.com/office/powerpoint/2010/main" val="2838525726"/>
       </p:ext>
     </p:extLst>
   </p:cSld>
@@ -547,7 +547,7 @@
           <p:cNvPr id="2" name="竖排标题 1">
             <a:extLst>
               <a:ext uri="{FF2B5EF4-FFF2-40B4-BE49-F238E27FC236}">
-                <a16:creationId xmlns:a16="http://schemas.microsoft.com/office/drawing/2014/main" id="{5AF2C075-4DDA-580E-3726-8F2A89E613DB}"/>
+                <a16:creationId xmlns:a16="http://schemas.microsoft.com/office/drawing/2014/main" id="{6D38F94C-868B-7E50-66F8-284B7B65E21D}"/>
               </a:ext>
             </a:extLst>
           </p:cNvPr>
@@ -580,7 +580,7 @@
           <p:cNvPr id="3" name="竖排文字占位符 2">
             <a:extLst>
               <a:ext uri="{FF2B5EF4-FFF2-40B4-BE49-F238E27FC236}">
-                <a16:creationId xmlns:a16="http://schemas.microsoft.com/office/drawing/2014/main" id="{76548980-DFE4-96E2-1B87-FE6FAC4AF026}"/>
+                <a16:creationId xmlns:a16="http://schemas.microsoft.com/office/drawing/2014/main" id="{93C00824-681E-6DFB-9DD2-AF6F0030416F}"/>
               </a:ext>
             </a:extLst>
           </p:cNvPr>
@@ -642,7 +642,7 @@
           <p:cNvPr id="4" name="日期占位符 3">
             <a:extLst>
               <a:ext uri="{FF2B5EF4-FFF2-40B4-BE49-F238E27FC236}">
-                <a16:creationId xmlns:a16="http://schemas.microsoft.com/office/drawing/2014/main" id="{9F965798-AE43-E040-750C-09E69059F358}"/>
+                <a16:creationId xmlns:a16="http://schemas.microsoft.com/office/drawing/2014/main" id="{8AC2AE7A-5313-9B2B-41B8-D21686A40B23}"/>
               </a:ext>
             </a:extLst>
           </p:cNvPr>
@@ -658,7 +658,7 @@
           <a:bodyPr/>
           <a:lstStyle/>
           <a:p>
-            <a:fld id="{C8E5E5DA-E5CC-41C3-BAB7-FDC9D41C6D33}" type="datetimeFigureOut">
+            <a:fld id="{09DD1633-1823-4BFE-A0F7-1F56558D274C}" type="datetimeFigureOut">
               <a:rPr lang="zh-CN" altLang="en-US" smtClean="0"/>
               <a:t>2024/3/10</a:t>
             </a:fld>
@@ -671,7 +671,7 @@
           <p:cNvPr id="5" name="页脚占位符 4">
             <a:extLst>
               <a:ext uri="{FF2B5EF4-FFF2-40B4-BE49-F238E27FC236}">
-                <a16:creationId xmlns:a16="http://schemas.microsoft.com/office/drawing/2014/main" id="{923A78F5-7EBF-E6C1-F791-963E3C9B8E26}"/>
+                <a16:creationId xmlns:a16="http://schemas.microsoft.com/office/drawing/2014/main" id="{2A250C42-EF68-11AB-CC6E-447A13BDC6F9}"/>
               </a:ext>
             </a:extLst>
           </p:cNvPr>
@@ -696,7 +696,7 @@
           <p:cNvPr id="6" name="灯片编号占位符 5">
             <a:extLst>
               <a:ext uri="{FF2B5EF4-FFF2-40B4-BE49-F238E27FC236}">
-                <a16:creationId xmlns:a16="http://schemas.microsoft.com/office/drawing/2014/main" id="{859C1F4A-AA23-BA07-74C3-4F96C3EA33E8}"/>
+                <a16:creationId xmlns:a16="http://schemas.microsoft.com/office/drawing/2014/main" id="{FEE77216-6D8F-1631-0D15-29E81FA75C4F}"/>
               </a:ext>
             </a:extLst>
           </p:cNvPr>
@@ -712,7 +712,7 @@
           <a:bodyPr/>
           <a:lstStyle/>
           <a:p>
-            <a:fld id="{1D84717A-EF96-4208-9F7E-02D1DC475A99}" type="slidenum">
+            <a:fld id="{DC02B6AC-4828-4136-B753-4F88E43ED6D8}" type="slidenum">
               <a:rPr lang="zh-CN" altLang="en-US" smtClean="0"/>
               <a:t>‹#›</a:t>
             </a:fld>
@@ -723,7 +723,7 @@
     </p:spTree>
     <p:extLst>
       <p:ext uri="{BB962C8B-B14F-4D97-AF65-F5344CB8AC3E}">
-        <p14:creationId xmlns:p14="http://schemas.microsoft.com/office/powerpoint/2010/main" val="1399487773"/>
+        <p14:creationId xmlns:p14="http://schemas.microsoft.com/office/powerpoint/2010/main" val="4121543275"/>
       </p:ext>
     </p:extLst>
   </p:cSld>
@@ -755,7 +755,7 @@
           <p:cNvPr id="2" name="标题 1">
             <a:extLst>
               <a:ext uri="{FF2B5EF4-FFF2-40B4-BE49-F238E27FC236}">
-                <a16:creationId xmlns:a16="http://schemas.microsoft.com/office/drawing/2014/main" id="{5ADE6D5B-ECEE-00A6-699C-E3F0AD2D38AD}"/>
+                <a16:creationId xmlns:a16="http://schemas.microsoft.com/office/drawing/2014/main" id="{D8B750E8-300B-A82C-54FE-AD263D798A12}"/>
               </a:ext>
             </a:extLst>
           </p:cNvPr>
@@ -783,7 +783,7 @@
           <p:cNvPr id="3" name="内容占位符 2">
             <a:extLst>
               <a:ext uri="{FF2B5EF4-FFF2-40B4-BE49-F238E27FC236}">
-                <a16:creationId xmlns:a16="http://schemas.microsoft.com/office/drawing/2014/main" id="{5B6E0A1D-75A1-7582-2311-849370EEF5E3}"/>
+                <a16:creationId xmlns:a16="http://schemas.microsoft.com/office/drawing/2014/main" id="{36049EAE-8241-4F32-E389-F3CEF90D6F9C}"/>
               </a:ext>
             </a:extLst>
           </p:cNvPr>
@@ -840,7 +840,7 @@
           <p:cNvPr id="4" name="日期占位符 3">
             <a:extLst>
               <a:ext uri="{FF2B5EF4-FFF2-40B4-BE49-F238E27FC236}">
-                <a16:creationId xmlns:a16="http://schemas.microsoft.com/office/drawing/2014/main" id="{88FE627A-2FBD-238A-96CC-5B158D1262D7}"/>
+                <a16:creationId xmlns:a16="http://schemas.microsoft.com/office/drawing/2014/main" id="{5345285E-77F8-13B3-E333-FFB3AFA29828}"/>
               </a:ext>
             </a:extLst>
           </p:cNvPr>
@@ -856,7 +856,7 @@
           <a:bodyPr/>
           <a:lstStyle/>
           <a:p>
-            <a:fld id="{C8E5E5DA-E5CC-41C3-BAB7-FDC9D41C6D33}" type="datetimeFigureOut">
+            <a:fld id="{09DD1633-1823-4BFE-A0F7-1F56558D274C}" type="datetimeFigureOut">
               <a:rPr lang="zh-CN" altLang="en-US" smtClean="0"/>
               <a:t>2024/3/10</a:t>
             </a:fld>
@@ -869,7 +869,7 @@
           <p:cNvPr id="5" name="页脚占位符 4">
             <a:extLst>
               <a:ext uri="{FF2B5EF4-FFF2-40B4-BE49-F238E27FC236}">
-                <a16:creationId xmlns:a16="http://schemas.microsoft.com/office/drawing/2014/main" id="{943CAA78-53EB-A898-2142-5525003C81FB}"/>
+                <a16:creationId xmlns:a16="http://schemas.microsoft.com/office/drawing/2014/main" id="{89041F39-BA97-4B25-F184-A2F71C9F1FD6}"/>
               </a:ext>
             </a:extLst>
           </p:cNvPr>
@@ -894,7 +894,7 @@
           <p:cNvPr id="6" name="灯片编号占位符 5">
             <a:extLst>
               <a:ext uri="{FF2B5EF4-FFF2-40B4-BE49-F238E27FC236}">
-                <a16:creationId xmlns:a16="http://schemas.microsoft.com/office/drawing/2014/main" id="{811D4646-6D00-520D-2BD7-A4BE13A99B4F}"/>
+                <a16:creationId xmlns:a16="http://schemas.microsoft.com/office/drawing/2014/main" id="{207BE608-CBAB-CF3E-1007-AF99B721EB23}"/>
               </a:ext>
             </a:extLst>
           </p:cNvPr>
@@ -910,7 +910,7 @@
           <a:bodyPr/>
           <a:lstStyle/>
           <a:p>
-            <a:fld id="{1D84717A-EF96-4208-9F7E-02D1DC475A99}" type="slidenum">
+            <a:fld id="{DC02B6AC-4828-4136-B753-4F88E43ED6D8}" type="slidenum">
               <a:rPr lang="zh-CN" altLang="en-US" smtClean="0"/>
               <a:t>‹#›</a:t>
             </a:fld>
@@ -921,7 +921,7 @@
     </p:spTree>
     <p:extLst>
       <p:ext uri="{BB962C8B-B14F-4D97-AF65-F5344CB8AC3E}">
-        <p14:creationId xmlns:p14="http://schemas.microsoft.com/office/powerpoint/2010/main" val="3048319801"/>
+        <p14:creationId xmlns:p14="http://schemas.microsoft.com/office/powerpoint/2010/main" val="2298445587"/>
       </p:ext>
     </p:extLst>
   </p:cSld>
@@ -953,7 +953,7 @@
           <p:cNvPr id="2" name="标题 1">
             <a:extLst>
               <a:ext uri="{FF2B5EF4-FFF2-40B4-BE49-F238E27FC236}">
-                <a16:creationId xmlns:a16="http://schemas.microsoft.com/office/drawing/2014/main" id="{0245D7E8-05B3-DD75-DEF0-AC713F00A971}"/>
+                <a16:creationId xmlns:a16="http://schemas.microsoft.com/office/drawing/2014/main" id="{FED0B3A3-2E4A-E0FF-4EA5-86744CB16FC3}"/>
               </a:ext>
             </a:extLst>
           </p:cNvPr>
@@ -990,7 +990,7 @@
           <p:cNvPr id="3" name="文本占位符 2">
             <a:extLst>
               <a:ext uri="{FF2B5EF4-FFF2-40B4-BE49-F238E27FC236}">
-                <a16:creationId xmlns:a16="http://schemas.microsoft.com/office/drawing/2014/main" id="{365D1BAD-BA09-1BC2-A37B-04005FA89B94}"/>
+                <a16:creationId xmlns:a16="http://schemas.microsoft.com/office/drawing/2014/main" id="{5331679B-869F-7384-DEA2-F4DF8391EF40}"/>
               </a:ext>
             </a:extLst>
           </p:cNvPr>
@@ -1115,7 +1115,7 @@
           <p:cNvPr id="4" name="日期占位符 3">
             <a:extLst>
               <a:ext uri="{FF2B5EF4-FFF2-40B4-BE49-F238E27FC236}">
-                <a16:creationId xmlns:a16="http://schemas.microsoft.com/office/drawing/2014/main" id="{C907571E-61A7-4E17-72C8-33CAB7E5A9F4}"/>
+                <a16:creationId xmlns:a16="http://schemas.microsoft.com/office/drawing/2014/main" id="{CD1BF1B6-61C0-02BF-3414-9C977D899375}"/>
               </a:ext>
             </a:extLst>
           </p:cNvPr>
@@ -1131,7 +1131,7 @@
           <a:bodyPr/>
           <a:lstStyle/>
           <a:p>
-            <a:fld id="{C8E5E5DA-E5CC-41C3-BAB7-FDC9D41C6D33}" type="datetimeFigureOut">
+            <a:fld id="{09DD1633-1823-4BFE-A0F7-1F56558D274C}" type="datetimeFigureOut">
               <a:rPr lang="zh-CN" altLang="en-US" smtClean="0"/>
               <a:t>2024/3/10</a:t>
             </a:fld>
@@ -1144,7 +1144,7 @@
           <p:cNvPr id="5" name="页脚占位符 4">
             <a:extLst>
               <a:ext uri="{FF2B5EF4-FFF2-40B4-BE49-F238E27FC236}">
-                <a16:creationId xmlns:a16="http://schemas.microsoft.com/office/drawing/2014/main" id="{F314A829-EA63-0040-FDEE-ABCCCD78731D}"/>
+                <a16:creationId xmlns:a16="http://schemas.microsoft.com/office/drawing/2014/main" id="{DAF177BF-3BBA-5DC4-20BD-1DA64F56AE30}"/>
               </a:ext>
             </a:extLst>
           </p:cNvPr>
@@ -1169,7 +1169,7 @@
           <p:cNvPr id="6" name="灯片编号占位符 5">
             <a:extLst>
               <a:ext uri="{FF2B5EF4-FFF2-40B4-BE49-F238E27FC236}">
-                <a16:creationId xmlns:a16="http://schemas.microsoft.com/office/drawing/2014/main" id="{35215FBE-C23B-8926-3E96-502BDD090443}"/>
+                <a16:creationId xmlns:a16="http://schemas.microsoft.com/office/drawing/2014/main" id="{8CE9F5A8-F33A-33B3-5082-1E2CFA6FD6DB}"/>
               </a:ext>
             </a:extLst>
           </p:cNvPr>
@@ -1185,7 +1185,7 @@
           <a:bodyPr/>
           <a:lstStyle/>
           <a:p>
-            <a:fld id="{1D84717A-EF96-4208-9F7E-02D1DC475A99}" type="slidenum">
+            <a:fld id="{DC02B6AC-4828-4136-B753-4F88E43ED6D8}" type="slidenum">
               <a:rPr lang="zh-CN" altLang="en-US" smtClean="0"/>
               <a:t>‹#›</a:t>
             </a:fld>
@@ -1196,7 +1196,7 @@
     </p:spTree>
     <p:extLst>
       <p:ext uri="{BB962C8B-B14F-4D97-AF65-F5344CB8AC3E}">
-        <p14:creationId xmlns:p14="http://schemas.microsoft.com/office/powerpoint/2010/main" val="388526680"/>
+        <p14:creationId xmlns:p14="http://schemas.microsoft.com/office/powerpoint/2010/main" val="2251558024"/>
       </p:ext>
     </p:extLst>
   </p:cSld>
@@ -1228,7 +1228,7 @@
           <p:cNvPr id="2" name="标题 1">
             <a:extLst>
               <a:ext uri="{FF2B5EF4-FFF2-40B4-BE49-F238E27FC236}">
-                <a16:creationId xmlns:a16="http://schemas.microsoft.com/office/drawing/2014/main" id="{A4C6289B-C6B1-7A81-71EF-4434B2CCE762}"/>
+                <a16:creationId xmlns:a16="http://schemas.microsoft.com/office/drawing/2014/main" id="{23E8E82D-2FA6-E6CF-5425-A61FD638562A}"/>
               </a:ext>
             </a:extLst>
           </p:cNvPr>
@@ -1256,7 +1256,7 @@
           <p:cNvPr id="3" name="内容占位符 2">
             <a:extLst>
               <a:ext uri="{FF2B5EF4-FFF2-40B4-BE49-F238E27FC236}">
-                <a16:creationId xmlns:a16="http://schemas.microsoft.com/office/drawing/2014/main" id="{33E085D5-7DC3-03AD-3104-0DD28BB15497}"/>
+                <a16:creationId xmlns:a16="http://schemas.microsoft.com/office/drawing/2014/main" id="{4F0C648A-B3BC-F072-257F-A43FE1ABABEF}"/>
               </a:ext>
             </a:extLst>
           </p:cNvPr>
@@ -1318,7 +1318,7 @@
           <p:cNvPr id="4" name="内容占位符 3">
             <a:extLst>
               <a:ext uri="{FF2B5EF4-FFF2-40B4-BE49-F238E27FC236}">
-                <a16:creationId xmlns:a16="http://schemas.microsoft.com/office/drawing/2014/main" id="{EDF0C499-4983-2865-7269-C34E09FD45B7}"/>
+                <a16:creationId xmlns:a16="http://schemas.microsoft.com/office/drawing/2014/main" id="{E580FA0B-1923-A846-7549-989F25738E29}"/>
               </a:ext>
             </a:extLst>
           </p:cNvPr>
@@ -1380,7 +1380,7 @@
           <p:cNvPr id="5" name="日期占位符 4">
             <a:extLst>
               <a:ext uri="{FF2B5EF4-FFF2-40B4-BE49-F238E27FC236}">
-                <a16:creationId xmlns:a16="http://schemas.microsoft.com/office/drawing/2014/main" id="{5580730E-EC1D-DBE9-4EFB-52A0133E2769}"/>
+                <a16:creationId xmlns:a16="http://schemas.microsoft.com/office/drawing/2014/main" id="{B1BFCBB2-0254-2582-4668-68974BFF30AB}"/>
               </a:ext>
             </a:extLst>
           </p:cNvPr>
@@ -1396,7 +1396,7 @@
           <a:bodyPr/>
           <a:lstStyle/>
           <a:p>
-            <a:fld id="{C8E5E5DA-E5CC-41C3-BAB7-FDC9D41C6D33}" type="datetimeFigureOut">
+            <a:fld id="{09DD1633-1823-4BFE-A0F7-1F56558D274C}" type="datetimeFigureOut">
               <a:rPr lang="zh-CN" altLang="en-US" smtClean="0"/>
               <a:t>2024/3/10</a:t>
             </a:fld>
@@ -1409,7 +1409,7 @@
           <p:cNvPr id="6" name="页脚占位符 5">
             <a:extLst>
               <a:ext uri="{FF2B5EF4-FFF2-40B4-BE49-F238E27FC236}">
-                <a16:creationId xmlns:a16="http://schemas.microsoft.com/office/drawing/2014/main" id="{440EEE3F-A6F7-9BDB-2025-D0FF8D7A5469}"/>
+                <a16:creationId xmlns:a16="http://schemas.microsoft.com/office/drawing/2014/main" id="{D50ABB07-EADA-EA1B-39DA-41E7300D0BAF}"/>
               </a:ext>
             </a:extLst>
           </p:cNvPr>
@@ -1434,7 +1434,7 @@
           <p:cNvPr id="7" name="灯片编号占位符 6">
             <a:extLst>
               <a:ext uri="{FF2B5EF4-FFF2-40B4-BE49-F238E27FC236}">
-                <a16:creationId xmlns:a16="http://schemas.microsoft.com/office/drawing/2014/main" id="{0A701CB8-E31C-4691-75D4-77E1CD707FA8}"/>
+                <a16:creationId xmlns:a16="http://schemas.microsoft.com/office/drawing/2014/main" id="{3140C266-5004-EDDF-01F6-D5463A9828B9}"/>
               </a:ext>
             </a:extLst>
           </p:cNvPr>
@@ -1450,7 +1450,7 @@
           <a:bodyPr/>
           <a:lstStyle/>
           <a:p>
-            <a:fld id="{1D84717A-EF96-4208-9F7E-02D1DC475A99}" type="slidenum">
+            <a:fld id="{DC02B6AC-4828-4136-B753-4F88E43ED6D8}" type="slidenum">
               <a:rPr lang="zh-CN" altLang="en-US" smtClean="0"/>
               <a:t>‹#›</a:t>
             </a:fld>
@@ -1461,7 +1461,7 @@
     </p:spTree>
     <p:extLst>
       <p:ext uri="{BB962C8B-B14F-4D97-AF65-F5344CB8AC3E}">
-        <p14:creationId xmlns:p14="http://schemas.microsoft.com/office/powerpoint/2010/main" val="3256409619"/>
+        <p14:creationId xmlns:p14="http://schemas.microsoft.com/office/powerpoint/2010/main" val="2575697244"/>
       </p:ext>
     </p:extLst>
   </p:cSld>
@@ -1493,7 +1493,7 @@
           <p:cNvPr id="2" name="标题 1">
             <a:extLst>
               <a:ext uri="{FF2B5EF4-FFF2-40B4-BE49-F238E27FC236}">
-                <a16:creationId xmlns:a16="http://schemas.microsoft.com/office/drawing/2014/main" id="{18BA24D0-60E5-91CE-2F0F-4EDB53EBD19B}"/>
+                <a16:creationId xmlns:a16="http://schemas.microsoft.com/office/drawing/2014/main" id="{420C0D8D-3E6F-C7EB-3FEC-21840D12829E}"/>
               </a:ext>
             </a:extLst>
           </p:cNvPr>
@@ -1526,7 +1526,7 @@
           <p:cNvPr id="3" name="文本占位符 2">
             <a:extLst>
               <a:ext uri="{FF2B5EF4-FFF2-40B4-BE49-F238E27FC236}">
-                <a16:creationId xmlns:a16="http://schemas.microsoft.com/office/drawing/2014/main" id="{86BD186A-0C6E-E135-0924-B653A168F686}"/>
+                <a16:creationId xmlns:a16="http://schemas.microsoft.com/office/drawing/2014/main" id="{71ED2FF3-937F-AB95-6F90-A1CC1C6F1178}"/>
               </a:ext>
             </a:extLst>
           </p:cNvPr>
@@ -1597,7 +1597,7 @@
           <p:cNvPr id="4" name="内容占位符 3">
             <a:extLst>
               <a:ext uri="{FF2B5EF4-FFF2-40B4-BE49-F238E27FC236}">
-                <a16:creationId xmlns:a16="http://schemas.microsoft.com/office/drawing/2014/main" id="{F8460D03-3688-DDD7-E301-DC4AD6D9465D}"/>
+                <a16:creationId xmlns:a16="http://schemas.microsoft.com/office/drawing/2014/main" id="{F2B12A48-40C1-5759-B533-92C26C1E0766}"/>
               </a:ext>
             </a:extLst>
           </p:cNvPr>
@@ -1659,7 +1659,7 @@
           <p:cNvPr id="5" name="文本占位符 4">
             <a:extLst>
               <a:ext uri="{FF2B5EF4-FFF2-40B4-BE49-F238E27FC236}">
-                <a16:creationId xmlns:a16="http://schemas.microsoft.com/office/drawing/2014/main" id="{7DBC0D66-1973-2ACA-8765-30D035904536}"/>
+                <a16:creationId xmlns:a16="http://schemas.microsoft.com/office/drawing/2014/main" id="{8E3460D6-A957-1FE6-3530-D3900E8684E3}"/>
               </a:ext>
             </a:extLst>
           </p:cNvPr>
@@ -1730,7 +1730,7 @@
           <p:cNvPr id="6" name="内容占位符 5">
             <a:extLst>
               <a:ext uri="{FF2B5EF4-FFF2-40B4-BE49-F238E27FC236}">
-                <a16:creationId xmlns:a16="http://schemas.microsoft.com/office/drawing/2014/main" id="{48F498AA-A798-43E2-FC30-C0E63A2F2688}"/>
+                <a16:creationId xmlns:a16="http://schemas.microsoft.com/office/drawing/2014/main" id="{B427311B-FD53-100A-35D0-2DE14EB287F5}"/>
               </a:ext>
             </a:extLst>
           </p:cNvPr>
@@ -1792,7 +1792,7 @@
           <p:cNvPr id="7" name="日期占位符 6">
             <a:extLst>
               <a:ext uri="{FF2B5EF4-FFF2-40B4-BE49-F238E27FC236}">
-                <a16:creationId xmlns:a16="http://schemas.microsoft.com/office/drawing/2014/main" id="{BBDF73E3-EC5A-19C8-4726-1B14E8E33814}"/>
+                <a16:creationId xmlns:a16="http://schemas.microsoft.com/office/drawing/2014/main" id="{F8AC91B4-B0A8-4432-0A8E-02C11853DAB8}"/>
               </a:ext>
             </a:extLst>
           </p:cNvPr>
@@ -1808,7 +1808,7 @@
           <a:bodyPr/>
           <a:lstStyle/>
           <a:p>
-            <a:fld id="{C8E5E5DA-E5CC-41C3-BAB7-FDC9D41C6D33}" type="datetimeFigureOut">
+            <a:fld id="{09DD1633-1823-4BFE-A0F7-1F56558D274C}" type="datetimeFigureOut">
               <a:rPr lang="zh-CN" altLang="en-US" smtClean="0"/>
               <a:t>2024/3/10</a:t>
             </a:fld>
@@ -1821,7 +1821,7 @@
           <p:cNvPr id="8" name="页脚占位符 7">
             <a:extLst>
               <a:ext uri="{FF2B5EF4-FFF2-40B4-BE49-F238E27FC236}">
-                <a16:creationId xmlns:a16="http://schemas.microsoft.com/office/drawing/2014/main" id="{2D67BD6F-635D-FFAB-D310-82B8BD65498C}"/>
+                <a16:creationId xmlns:a16="http://schemas.microsoft.com/office/drawing/2014/main" id="{B5214E24-1FBD-51A0-FEB0-B168C7C7755F}"/>
               </a:ext>
             </a:extLst>
           </p:cNvPr>
@@ -1846,7 +1846,7 @@
           <p:cNvPr id="9" name="灯片编号占位符 8">
             <a:extLst>
               <a:ext uri="{FF2B5EF4-FFF2-40B4-BE49-F238E27FC236}">
-                <a16:creationId xmlns:a16="http://schemas.microsoft.com/office/drawing/2014/main" id="{8DB09FCD-54F2-7A96-64E5-3370AB1D4D02}"/>
+                <a16:creationId xmlns:a16="http://schemas.microsoft.com/office/drawing/2014/main" id="{AB27EBB7-5823-DF7D-60E7-594956639846}"/>
               </a:ext>
             </a:extLst>
           </p:cNvPr>
@@ -1862,7 +1862,7 @@
           <a:bodyPr/>
           <a:lstStyle/>
           <a:p>
-            <a:fld id="{1D84717A-EF96-4208-9F7E-02D1DC475A99}" type="slidenum">
+            <a:fld id="{DC02B6AC-4828-4136-B753-4F88E43ED6D8}" type="slidenum">
               <a:rPr lang="zh-CN" altLang="en-US" smtClean="0"/>
               <a:t>‹#›</a:t>
             </a:fld>
@@ -1873,7 +1873,7 @@
     </p:spTree>
     <p:extLst>
       <p:ext uri="{BB962C8B-B14F-4D97-AF65-F5344CB8AC3E}">
-        <p14:creationId xmlns:p14="http://schemas.microsoft.com/office/powerpoint/2010/main" val="163301384"/>
+        <p14:creationId xmlns:p14="http://schemas.microsoft.com/office/powerpoint/2010/main" val="2832254348"/>
       </p:ext>
     </p:extLst>
   </p:cSld>
@@ -1905,7 +1905,7 @@
           <p:cNvPr id="2" name="标题 1">
             <a:extLst>
               <a:ext uri="{FF2B5EF4-FFF2-40B4-BE49-F238E27FC236}">
-                <a16:creationId xmlns:a16="http://schemas.microsoft.com/office/drawing/2014/main" id="{51DC6C2B-EBCC-3AC1-048B-D318C969C5E1}"/>
+                <a16:creationId xmlns:a16="http://schemas.microsoft.com/office/drawing/2014/main" id="{23223963-3DE0-1136-B8BA-DC744AECFF70}"/>
               </a:ext>
             </a:extLst>
           </p:cNvPr>
@@ -1933,7 +1933,7 @@
           <p:cNvPr id="3" name="日期占位符 2">
             <a:extLst>
               <a:ext uri="{FF2B5EF4-FFF2-40B4-BE49-F238E27FC236}">
-                <a16:creationId xmlns:a16="http://schemas.microsoft.com/office/drawing/2014/main" id="{B453C328-011E-2ECD-74BC-A35492AE1C9C}"/>
+                <a16:creationId xmlns:a16="http://schemas.microsoft.com/office/drawing/2014/main" id="{DCE8E558-AE65-D8E5-880C-0DEF3A284233}"/>
               </a:ext>
             </a:extLst>
           </p:cNvPr>
@@ -1949,7 +1949,7 @@
           <a:bodyPr/>
           <a:lstStyle/>
           <a:p>
-            <a:fld id="{C8E5E5DA-E5CC-41C3-BAB7-FDC9D41C6D33}" type="datetimeFigureOut">
+            <a:fld id="{09DD1633-1823-4BFE-A0F7-1F56558D274C}" type="datetimeFigureOut">
               <a:rPr lang="zh-CN" altLang="en-US" smtClean="0"/>
               <a:t>2024/3/10</a:t>
             </a:fld>
@@ -1962,7 +1962,7 @@
           <p:cNvPr id="4" name="页脚占位符 3">
             <a:extLst>
               <a:ext uri="{FF2B5EF4-FFF2-40B4-BE49-F238E27FC236}">
-                <a16:creationId xmlns:a16="http://schemas.microsoft.com/office/drawing/2014/main" id="{91140DE5-D137-C7E2-07DE-D7EB9C11210E}"/>
+                <a16:creationId xmlns:a16="http://schemas.microsoft.com/office/drawing/2014/main" id="{79A9F782-A6A2-81DC-ABF5-09216EDACE77}"/>
               </a:ext>
             </a:extLst>
           </p:cNvPr>
@@ -1987,7 +1987,7 @@
           <p:cNvPr id="5" name="灯片编号占位符 4">
             <a:extLst>
               <a:ext uri="{FF2B5EF4-FFF2-40B4-BE49-F238E27FC236}">
-                <a16:creationId xmlns:a16="http://schemas.microsoft.com/office/drawing/2014/main" id="{EA484437-F2F6-42B9-BAEA-7104D63A5376}"/>
+                <a16:creationId xmlns:a16="http://schemas.microsoft.com/office/drawing/2014/main" id="{5D175846-9609-4BEE-CEF7-04F33C9FAC48}"/>
               </a:ext>
             </a:extLst>
           </p:cNvPr>
@@ -2003,7 +2003,7 @@
           <a:bodyPr/>
           <a:lstStyle/>
           <a:p>
-            <a:fld id="{1D84717A-EF96-4208-9F7E-02D1DC475A99}" type="slidenum">
+            <a:fld id="{DC02B6AC-4828-4136-B753-4F88E43ED6D8}" type="slidenum">
               <a:rPr lang="zh-CN" altLang="en-US" smtClean="0"/>
               <a:t>‹#›</a:t>
             </a:fld>
@@ -2014,7 +2014,7 @@
     </p:spTree>
     <p:extLst>
       <p:ext uri="{BB962C8B-B14F-4D97-AF65-F5344CB8AC3E}">
-        <p14:creationId xmlns:p14="http://schemas.microsoft.com/office/powerpoint/2010/main" val="458357284"/>
+        <p14:creationId xmlns:p14="http://schemas.microsoft.com/office/powerpoint/2010/main" val="212254768"/>
       </p:ext>
     </p:extLst>
   </p:cSld>
@@ -2046,7 +2046,7 @@
           <p:cNvPr id="2" name="日期占位符 1">
             <a:extLst>
               <a:ext uri="{FF2B5EF4-FFF2-40B4-BE49-F238E27FC236}">
-                <a16:creationId xmlns:a16="http://schemas.microsoft.com/office/drawing/2014/main" id="{CC805C54-AA30-9443-EB31-EC31696655A4}"/>
+                <a16:creationId xmlns:a16="http://schemas.microsoft.com/office/drawing/2014/main" id="{94159644-66FD-EC41-B155-50809E20EECE}"/>
               </a:ext>
             </a:extLst>
           </p:cNvPr>
@@ -2062,7 +2062,7 @@
           <a:bodyPr/>
           <a:lstStyle/>
           <a:p>
-            <a:fld id="{C8E5E5DA-E5CC-41C3-BAB7-FDC9D41C6D33}" type="datetimeFigureOut">
+            <a:fld id="{09DD1633-1823-4BFE-A0F7-1F56558D274C}" type="datetimeFigureOut">
               <a:rPr lang="zh-CN" altLang="en-US" smtClean="0"/>
               <a:t>2024/3/10</a:t>
             </a:fld>
@@ -2075,7 +2075,7 @@
           <p:cNvPr id="3" name="页脚占位符 2">
             <a:extLst>
               <a:ext uri="{FF2B5EF4-FFF2-40B4-BE49-F238E27FC236}">
-                <a16:creationId xmlns:a16="http://schemas.microsoft.com/office/drawing/2014/main" id="{5F03C38F-4291-DC9E-E4EA-3A8BB142FD1D}"/>
+                <a16:creationId xmlns:a16="http://schemas.microsoft.com/office/drawing/2014/main" id="{589C83AD-B027-6B4C-7D01-954A00E733BE}"/>
               </a:ext>
             </a:extLst>
           </p:cNvPr>
@@ -2100,7 +2100,7 @@
           <p:cNvPr id="4" name="灯片编号占位符 3">
             <a:extLst>
               <a:ext uri="{FF2B5EF4-FFF2-40B4-BE49-F238E27FC236}">
-                <a16:creationId xmlns:a16="http://schemas.microsoft.com/office/drawing/2014/main" id="{11A57ABD-9111-6B90-51DA-21C137BF8A91}"/>
+                <a16:creationId xmlns:a16="http://schemas.microsoft.com/office/drawing/2014/main" id="{62A4F75B-7038-4608-BFBA-655C81FE3D36}"/>
               </a:ext>
             </a:extLst>
           </p:cNvPr>
@@ -2116,7 +2116,7 @@
           <a:bodyPr/>
           <a:lstStyle/>
           <a:p>
-            <a:fld id="{1D84717A-EF96-4208-9F7E-02D1DC475A99}" type="slidenum">
+            <a:fld id="{DC02B6AC-4828-4136-B753-4F88E43ED6D8}" type="slidenum">
               <a:rPr lang="zh-CN" altLang="en-US" smtClean="0"/>
               <a:t>‹#›</a:t>
             </a:fld>
@@ -2127,7 +2127,7 @@
     </p:spTree>
     <p:extLst>
       <p:ext uri="{BB962C8B-B14F-4D97-AF65-F5344CB8AC3E}">
-        <p14:creationId xmlns:p14="http://schemas.microsoft.com/office/powerpoint/2010/main" val="2348927848"/>
+        <p14:creationId xmlns:p14="http://schemas.microsoft.com/office/powerpoint/2010/main" val="1164076742"/>
       </p:ext>
     </p:extLst>
   </p:cSld>
@@ -2159,7 +2159,7 @@
           <p:cNvPr id="2" name="标题 1">
             <a:extLst>
               <a:ext uri="{FF2B5EF4-FFF2-40B4-BE49-F238E27FC236}">
-                <a16:creationId xmlns:a16="http://schemas.microsoft.com/office/drawing/2014/main" id="{7D0161B6-33CC-58B0-B0E4-FB0CB2F4A5E6}"/>
+                <a16:creationId xmlns:a16="http://schemas.microsoft.com/office/drawing/2014/main" id="{D4238057-C20B-40D3-B3F2-9EA51ED077D5}"/>
               </a:ext>
             </a:extLst>
           </p:cNvPr>
@@ -2196,7 +2196,7 @@
           <p:cNvPr id="3" name="内容占位符 2">
             <a:extLst>
               <a:ext uri="{FF2B5EF4-FFF2-40B4-BE49-F238E27FC236}">
-                <a16:creationId xmlns:a16="http://schemas.microsoft.com/office/drawing/2014/main" id="{49C5BA38-59B1-85BE-8C90-195F8930066A}"/>
+                <a16:creationId xmlns:a16="http://schemas.microsoft.com/office/drawing/2014/main" id="{C4E0847B-A1E0-AB78-4D4E-30E59406DF96}"/>
               </a:ext>
             </a:extLst>
           </p:cNvPr>
@@ -2286,7 +2286,7 @@
           <p:cNvPr id="4" name="文本占位符 3">
             <a:extLst>
               <a:ext uri="{FF2B5EF4-FFF2-40B4-BE49-F238E27FC236}">
-                <a16:creationId xmlns:a16="http://schemas.microsoft.com/office/drawing/2014/main" id="{268D3F55-53E7-4FB0-B41F-12D7BDE2998B}"/>
+                <a16:creationId xmlns:a16="http://schemas.microsoft.com/office/drawing/2014/main" id="{32C3DFF2-1106-78A1-4053-45EC663AD0C0}"/>
               </a:ext>
             </a:extLst>
           </p:cNvPr>
@@ -2357,7 +2357,7 @@
           <p:cNvPr id="5" name="日期占位符 4">
             <a:extLst>
               <a:ext uri="{FF2B5EF4-FFF2-40B4-BE49-F238E27FC236}">
-                <a16:creationId xmlns:a16="http://schemas.microsoft.com/office/drawing/2014/main" id="{5B7AC8A5-75F6-9E7A-B33A-6F87B63173DD}"/>
+                <a16:creationId xmlns:a16="http://schemas.microsoft.com/office/drawing/2014/main" id="{F8FB7216-75F3-4386-70C8-96B65F2C60B5}"/>
               </a:ext>
             </a:extLst>
           </p:cNvPr>
@@ -2373,7 +2373,7 @@
           <a:bodyPr/>
           <a:lstStyle/>
           <a:p>
-            <a:fld id="{C8E5E5DA-E5CC-41C3-BAB7-FDC9D41C6D33}" type="datetimeFigureOut">
+            <a:fld id="{09DD1633-1823-4BFE-A0F7-1F56558D274C}" type="datetimeFigureOut">
               <a:rPr lang="zh-CN" altLang="en-US" smtClean="0"/>
               <a:t>2024/3/10</a:t>
             </a:fld>
@@ -2386,7 +2386,7 @@
           <p:cNvPr id="6" name="页脚占位符 5">
             <a:extLst>
               <a:ext uri="{FF2B5EF4-FFF2-40B4-BE49-F238E27FC236}">
-                <a16:creationId xmlns:a16="http://schemas.microsoft.com/office/drawing/2014/main" id="{A173F39C-E18F-B8C8-29D1-ED31E5B97BF8}"/>
+                <a16:creationId xmlns:a16="http://schemas.microsoft.com/office/drawing/2014/main" id="{A214EE60-5850-8C2A-EF62-5CEBC4A78E84}"/>
               </a:ext>
             </a:extLst>
           </p:cNvPr>
@@ -2411,7 +2411,7 @@
           <p:cNvPr id="7" name="灯片编号占位符 6">
             <a:extLst>
               <a:ext uri="{FF2B5EF4-FFF2-40B4-BE49-F238E27FC236}">
-                <a16:creationId xmlns:a16="http://schemas.microsoft.com/office/drawing/2014/main" id="{1EA42820-E45E-6DB3-15AE-D5EE7749DA9F}"/>
+                <a16:creationId xmlns:a16="http://schemas.microsoft.com/office/drawing/2014/main" id="{8A1A8409-2BBA-75EA-3DC6-E6946A55891D}"/>
               </a:ext>
             </a:extLst>
           </p:cNvPr>
@@ -2427,7 +2427,7 @@
           <a:bodyPr/>
           <a:lstStyle/>
           <a:p>
-            <a:fld id="{1D84717A-EF96-4208-9F7E-02D1DC475A99}" type="slidenum">
+            <a:fld id="{DC02B6AC-4828-4136-B753-4F88E43ED6D8}" type="slidenum">
               <a:rPr lang="zh-CN" altLang="en-US" smtClean="0"/>
               <a:t>‹#›</a:t>
             </a:fld>
@@ -2438,7 +2438,7 @@
     </p:spTree>
     <p:extLst>
       <p:ext uri="{BB962C8B-B14F-4D97-AF65-F5344CB8AC3E}">
-        <p14:creationId xmlns:p14="http://schemas.microsoft.com/office/powerpoint/2010/main" val="2841358451"/>
+        <p14:creationId xmlns:p14="http://schemas.microsoft.com/office/powerpoint/2010/main" val="575136711"/>
       </p:ext>
     </p:extLst>
   </p:cSld>
@@ -2470,7 +2470,7 @@
           <p:cNvPr id="2" name="标题 1">
             <a:extLst>
               <a:ext uri="{FF2B5EF4-FFF2-40B4-BE49-F238E27FC236}">
-                <a16:creationId xmlns:a16="http://schemas.microsoft.com/office/drawing/2014/main" id="{08DE5AD0-7B31-401C-6DDD-D9B75231EEE7}"/>
+                <a16:creationId xmlns:a16="http://schemas.microsoft.com/office/drawing/2014/main" id="{BCE696FC-E57C-FF76-3C60-4970253FBAC7}"/>
               </a:ext>
             </a:extLst>
           </p:cNvPr>
@@ -2507,7 +2507,7 @@
           <p:cNvPr id="3" name="图片占位符 2">
             <a:extLst>
               <a:ext uri="{FF2B5EF4-FFF2-40B4-BE49-F238E27FC236}">
-                <a16:creationId xmlns:a16="http://schemas.microsoft.com/office/drawing/2014/main" id="{553E7FD5-3F1A-0DF2-39C9-03D7CDE1A34E}"/>
+                <a16:creationId xmlns:a16="http://schemas.microsoft.com/office/drawing/2014/main" id="{7ABDAE31-86C7-42B9-D7BC-8D7738DFC866}"/>
               </a:ext>
             </a:extLst>
           </p:cNvPr>
@@ -2574,7 +2574,7 @@
           <p:cNvPr id="4" name="文本占位符 3">
             <a:extLst>
               <a:ext uri="{FF2B5EF4-FFF2-40B4-BE49-F238E27FC236}">
-                <a16:creationId xmlns:a16="http://schemas.microsoft.com/office/drawing/2014/main" id="{6DF672F6-B834-05A4-4A5F-ECA12C6C0E4C}"/>
+                <a16:creationId xmlns:a16="http://schemas.microsoft.com/office/drawing/2014/main" id="{CC0467F2-F194-6B26-BD93-26EA85F9D4E3}"/>
               </a:ext>
             </a:extLst>
           </p:cNvPr>
@@ -2645,7 +2645,7 @@
           <p:cNvPr id="5" name="日期占位符 4">
             <a:extLst>
               <a:ext uri="{FF2B5EF4-FFF2-40B4-BE49-F238E27FC236}">
-                <a16:creationId xmlns:a16="http://schemas.microsoft.com/office/drawing/2014/main" id="{E2D5EA30-F4B7-7A3A-BCC8-195B987EBE84}"/>
+                <a16:creationId xmlns:a16="http://schemas.microsoft.com/office/drawing/2014/main" id="{1B1A2DBA-B911-10FC-BE1B-2E7796B9D515}"/>
               </a:ext>
             </a:extLst>
           </p:cNvPr>
@@ -2661,7 +2661,7 @@
           <a:bodyPr/>
           <a:lstStyle/>
           <a:p>
-            <a:fld id="{C8E5E5DA-E5CC-41C3-BAB7-FDC9D41C6D33}" type="datetimeFigureOut">
+            <a:fld id="{09DD1633-1823-4BFE-A0F7-1F56558D274C}" type="datetimeFigureOut">
               <a:rPr lang="zh-CN" altLang="en-US" smtClean="0"/>
               <a:t>2024/3/10</a:t>
             </a:fld>
@@ -2674,7 +2674,7 @@
           <p:cNvPr id="6" name="页脚占位符 5">
             <a:extLst>
               <a:ext uri="{FF2B5EF4-FFF2-40B4-BE49-F238E27FC236}">
-                <a16:creationId xmlns:a16="http://schemas.microsoft.com/office/drawing/2014/main" id="{EF1F30F9-B51E-E99A-A13C-E90A8AF5E2C4}"/>
+                <a16:creationId xmlns:a16="http://schemas.microsoft.com/office/drawing/2014/main" id="{4BB8A575-1343-FBB6-A3E3-0067132D94F2}"/>
               </a:ext>
             </a:extLst>
           </p:cNvPr>
@@ -2699,7 +2699,7 @@
           <p:cNvPr id="7" name="灯片编号占位符 6">
             <a:extLst>
               <a:ext uri="{FF2B5EF4-FFF2-40B4-BE49-F238E27FC236}">
-                <a16:creationId xmlns:a16="http://schemas.microsoft.com/office/drawing/2014/main" id="{42D874DE-1F9E-6D0B-5919-F91A095CBBEC}"/>
+                <a16:creationId xmlns:a16="http://schemas.microsoft.com/office/drawing/2014/main" id="{C47C3F39-8333-36FB-4B69-AEB39C83041E}"/>
               </a:ext>
             </a:extLst>
           </p:cNvPr>
@@ -2715,7 +2715,7 @@
           <a:bodyPr/>
           <a:lstStyle/>
           <a:p>
-            <a:fld id="{1D84717A-EF96-4208-9F7E-02D1DC475A99}" type="slidenum">
+            <a:fld id="{DC02B6AC-4828-4136-B753-4F88E43ED6D8}" type="slidenum">
               <a:rPr lang="zh-CN" altLang="en-US" smtClean="0"/>
               <a:t>‹#›</a:t>
             </a:fld>
@@ -2726,7 +2726,7 @@
     </p:spTree>
     <p:extLst>
       <p:ext uri="{BB962C8B-B14F-4D97-AF65-F5344CB8AC3E}">
-        <p14:creationId xmlns:p14="http://schemas.microsoft.com/office/powerpoint/2010/main" val="3594189327"/>
+        <p14:creationId xmlns:p14="http://schemas.microsoft.com/office/powerpoint/2010/main" val="3613206194"/>
       </p:ext>
     </p:extLst>
   </p:cSld>
@@ -2763,7 +2763,7 @@
           <p:cNvPr id="2" name="标题占位符 1">
             <a:extLst>
               <a:ext uri="{FF2B5EF4-FFF2-40B4-BE49-F238E27FC236}">
-                <a16:creationId xmlns:a16="http://schemas.microsoft.com/office/drawing/2014/main" id="{1E2F8397-53B6-5191-095A-7619CEC2E52E}"/>
+                <a16:creationId xmlns:a16="http://schemas.microsoft.com/office/drawing/2014/main" id="{971A2B86-F417-2944-6EF0-196B245A1920}"/>
               </a:ext>
             </a:extLst>
           </p:cNvPr>
@@ -2801,7 +2801,7 @@
           <p:cNvPr id="3" name="文本占位符 2">
             <a:extLst>
               <a:ext uri="{FF2B5EF4-FFF2-40B4-BE49-F238E27FC236}">
-                <a16:creationId xmlns:a16="http://schemas.microsoft.com/office/drawing/2014/main" id="{776ED091-BCB8-EEDD-6F2B-9D0FCE25D076}"/>
+                <a16:creationId xmlns:a16="http://schemas.microsoft.com/office/drawing/2014/main" id="{309BE7CA-D6B2-E65B-92D0-27AAAADE9713}"/>
               </a:ext>
             </a:extLst>
           </p:cNvPr>
@@ -2868,7 +2868,7 @@
           <p:cNvPr id="4" name="日期占位符 3">
             <a:extLst>
               <a:ext uri="{FF2B5EF4-FFF2-40B4-BE49-F238E27FC236}">
-                <a16:creationId xmlns:a16="http://schemas.microsoft.com/office/drawing/2014/main" id="{FF8EB1C2-A846-1F13-85DC-6F63975946C8}"/>
+                <a16:creationId xmlns:a16="http://schemas.microsoft.com/office/drawing/2014/main" id="{736C16B3-6CD1-AB82-A5DB-F415D7759AC9}"/>
               </a:ext>
             </a:extLst>
           </p:cNvPr>
@@ -2902,7 +2902,7 @@
             </a:lvl1pPr>
           </a:lstStyle>
           <a:p>
-            <a:fld id="{C8E5E5DA-E5CC-41C3-BAB7-FDC9D41C6D33}" type="datetimeFigureOut">
+            <a:fld id="{09DD1633-1823-4BFE-A0F7-1F56558D274C}" type="datetimeFigureOut">
               <a:rPr lang="zh-CN" altLang="en-US" smtClean="0"/>
               <a:t>2024/3/10</a:t>
             </a:fld>
@@ -2915,7 +2915,7 @@
           <p:cNvPr id="5" name="页脚占位符 4">
             <a:extLst>
               <a:ext uri="{FF2B5EF4-FFF2-40B4-BE49-F238E27FC236}">
-                <a16:creationId xmlns:a16="http://schemas.microsoft.com/office/drawing/2014/main" id="{B96F6B32-5D6C-3703-5A09-49B75E87729E}"/>
+                <a16:creationId xmlns:a16="http://schemas.microsoft.com/office/drawing/2014/main" id="{ADE8D820-FD29-7B33-EEF7-15307FC03CC1}"/>
               </a:ext>
             </a:extLst>
           </p:cNvPr>
@@ -2958,7 +2958,7 @@
           <p:cNvPr id="6" name="灯片编号占位符 5">
             <a:extLst>
               <a:ext uri="{FF2B5EF4-FFF2-40B4-BE49-F238E27FC236}">
-                <a16:creationId xmlns:a16="http://schemas.microsoft.com/office/drawing/2014/main" id="{AB7C00E5-D394-D344-09A9-772869A19206}"/>
+                <a16:creationId xmlns:a16="http://schemas.microsoft.com/office/drawing/2014/main" id="{EC456CE8-CD28-94D1-5D4F-9F1624375EB7}"/>
               </a:ext>
             </a:extLst>
           </p:cNvPr>
@@ -2992,7 +2992,7 @@
             </a:lvl1pPr>
           </a:lstStyle>
           <a:p>
-            <a:fld id="{1D84717A-EF96-4208-9F7E-02D1DC475A99}" type="slidenum">
+            <a:fld id="{DC02B6AC-4828-4136-B753-4F88E43ED6D8}" type="slidenum">
               <a:rPr lang="zh-CN" altLang="en-US" smtClean="0"/>
               <a:t>‹#›</a:t>
             </a:fld>
@@ -3003,7 +3003,7 @@
     </p:spTree>
     <p:extLst>
       <p:ext uri="{BB962C8B-B14F-4D97-AF65-F5344CB8AC3E}">
-        <p14:creationId xmlns:p14="http://schemas.microsoft.com/office/powerpoint/2010/main" val="2575255898"/>
+        <p14:creationId xmlns:p14="http://schemas.microsoft.com/office/powerpoint/2010/main" val="28856896"/>
       </p:ext>
     </p:extLst>
   </p:cSld>
